--- a/morea/040.dynamic-web-pages/ITM352_client_side_processing.pptx
+++ b/morea/040.dynamic-web-pages/ITM352_client_side_processing.pptx
@@ -307,7 +307,7 @@
           <a:p>
             <a:fld id="{71126F34-35FA-415B-BEF8-CE7032BEE290}" type="datetimeFigureOut">
               <a:rPr lang="en-US" smtClean="0"/>
-              <a:t>9/15/2020</a:t>
+              <a:t>1/26/24</a:t>
             </a:fld>
             <a:endParaRPr lang="en-US"/>
           </a:p>
@@ -475,7 +475,7 @@
           <a:p>
             <a:fld id="{71126F34-35FA-415B-BEF8-CE7032BEE290}" type="datetimeFigureOut">
               <a:rPr lang="en-US" smtClean="0"/>
-              <a:t>9/15/2020</a:t>
+              <a:t>1/26/24</a:t>
             </a:fld>
             <a:endParaRPr lang="en-US"/>
           </a:p>
@@ -653,7 +653,7 @@
           <a:p>
             <a:fld id="{71126F34-35FA-415B-BEF8-CE7032BEE290}" type="datetimeFigureOut">
               <a:rPr lang="en-US" smtClean="0"/>
-              <a:t>9/15/2020</a:t>
+              <a:t>1/26/24</a:t>
             </a:fld>
             <a:endParaRPr lang="en-US"/>
           </a:p>
@@ -821,7 +821,7 @@
           <a:p>
             <a:fld id="{71126F34-35FA-415B-BEF8-CE7032BEE290}" type="datetimeFigureOut">
               <a:rPr lang="en-US" smtClean="0"/>
-              <a:t>9/15/2020</a:t>
+              <a:t>1/26/24</a:t>
             </a:fld>
             <a:endParaRPr lang="en-US"/>
           </a:p>
@@ -1066,7 +1066,7 @@
           <a:p>
             <a:fld id="{71126F34-35FA-415B-BEF8-CE7032BEE290}" type="datetimeFigureOut">
               <a:rPr lang="en-US" smtClean="0"/>
-              <a:t>9/15/2020</a:t>
+              <a:t>1/26/24</a:t>
             </a:fld>
             <a:endParaRPr lang="en-US"/>
           </a:p>
@@ -1351,7 +1351,7 @@
           <a:p>
             <a:fld id="{71126F34-35FA-415B-BEF8-CE7032BEE290}" type="datetimeFigureOut">
               <a:rPr lang="en-US" smtClean="0"/>
-              <a:t>9/15/2020</a:t>
+              <a:t>1/26/24</a:t>
             </a:fld>
             <a:endParaRPr lang="en-US"/>
           </a:p>
@@ -1770,7 +1770,7 @@
           <a:p>
             <a:fld id="{71126F34-35FA-415B-BEF8-CE7032BEE290}" type="datetimeFigureOut">
               <a:rPr lang="en-US" smtClean="0"/>
-              <a:t>9/15/2020</a:t>
+              <a:t>1/26/24</a:t>
             </a:fld>
             <a:endParaRPr lang="en-US"/>
           </a:p>
@@ -1887,7 +1887,7 @@
           <a:p>
             <a:fld id="{71126F34-35FA-415B-BEF8-CE7032BEE290}" type="datetimeFigureOut">
               <a:rPr lang="en-US" smtClean="0"/>
-              <a:t>9/15/2020</a:t>
+              <a:t>1/26/24</a:t>
             </a:fld>
             <a:endParaRPr lang="en-US"/>
           </a:p>
@@ -1982,7 +1982,7 @@
           <a:p>
             <a:fld id="{71126F34-35FA-415B-BEF8-CE7032BEE290}" type="datetimeFigureOut">
               <a:rPr lang="en-US" smtClean="0"/>
-              <a:t>9/15/2020</a:t>
+              <a:t>1/26/24</a:t>
             </a:fld>
             <a:endParaRPr lang="en-US"/>
           </a:p>
@@ -2257,7 +2257,7 @@
           <a:p>
             <a:fld id="{71126F34-35FA-415B-BEF8-CE7032BEE290}" type="datetimeFigureOut">
               <a:rPr lang="en-US" smtClean="0"/>
-              <a:t>9/15/2020</a:t>
+              <a:t>1/26/24</a:t>
             </a:fld>
             <a:endParaRPr lang="en-US"/>
           </a:p>
@@ -2509,7 +2509,7 @@
           <a:p>
             <a:fld id="{71126F34-35FA-415B-BEF8-CE7032BEE290}" type="datetimeFigureOut">
               <a:rPr lang="en-US" smtClean="0"/>
-              <a:t>9/15/2020</a:t>
+              <a:t>1/26/24</a:t>
             </a:fld>
             <a:endParaRPr lang="en-US"/>
           </a:p>
@@ -2720,7 +2720,7 @@
           <a:p>
             <a:fld id="{71126F34-35FA-415B-BEF8-CE7032BEE290}" type="datetimeFigureOut">
               <a:rPr lang="en-US" smtClean="0"/>
-              <a:t>9/15/2020</a:t>
+              <a:t>1/26/24</a:t>
             </a:fld>
             <a:endParaRPr lang="en-US"/>
           </a:p>
@@ -4118,12 +4118,12 @@
               <a:t>Tip: </a:t>
             </a:r>
             <a:r>
-              <a:rPr lang="en-US" sz="1200" dirty="0" err="1"/>
-              <a:t>Netbeans</a:t>
+              <a:rPr lang="en-US" sz="1200"/>
+              <a:t>VSCode </a:t>
             </a:r>
             <a:r>
               <a:rPr lang="en-US" sz="1200" dirty="0"/>
-              <a:t> and Chrome developer tools will show available properties/methods when you try to access an object</a:t>
+              <a:t>and Chrome developer tools will show available properties/methods when you try to access an object</a:t>
             </a:r>
           </a:p>
         </p:txBody>
